--- a/documentation/FinalPresentation.pptx
+++ b/documentation/FinalPresentation.pptx
@@ -109,7 +109,72 @@
       </a:defRPr>
     </a:lvl9pPr>
   </p:defaultTextStyle>
+  <p:extLst>
+    <p:ext uri="{EFAFB233-063F-42B5-8137-9DF3F51BA10A}">
+      <p15:sldGuideLst xmlns:p15="http://schemas.microsoft.com/office/powerpoint/2012/main"/>
+    </p:ext>
+  </p:extLst>
 </p:presentation>
+</file>
+
+<file path=ppt/revisionInfo.xml><?xml version="1.0" encoding="utf-8"?>
+<p1510:revInfo xmlns:a="http://schemas.openxmlformats.org/drawingml/2006/main" xmlns:r="http://schemas.openxmlformats.org/officeDocument/2006/relationships" xmlns:p1510="http://schemas.microsoft.com/office/powerpoint/2015/10/main">
+  <p1510:revLst>
+    <p1510:client id="{D23584E0-D0B3-4485-A42A-7A583DD76450}" v="14" dt="2025-11-01T20:58:37.304"/>
+  </p1510:revLst>
+</p1510:revInfo>
+</file>
+
+<file path=ppt/changesInfos/changesInfo1.xml><?xml version="1.0" encoding="utf-8"?>
+<pc:chgInfo xmlns:a="http://schemas.openxmlformats.org/drawingml/2006/main" xmlns:r="http://schemas.openxmlformats.org/officeDocument/2006/relationships" xmlns:ac="http://schemas.microsoft.com/office/drawing/2013/main/command" xmlns:pc="http://schemas.microsoft.com/office/powerpoint/2013/main/command">
+  <pc:docChgLst>
+    <pc:chgData name="Hennig Sebastian" userId="7720b8c6-33d1-4b59-a079-1b70eafbf4dc" providerId="ADAL" clId="{90636A85-6A7C-40B4-8D8D-D9F8D8DD6BE7}"/>
+    <pc:docChg chg="modSld">
+      <pc:chgData name="Hennig Sebastian" userId="7720b8c6-33d1-4b59-a079-1b70eafbf4dc" providerId="ADAL" clId="{90636A85-6A7C-40B4-8D8D-D9F8D8DD6BE7}" dt="2025-11-01T20:58:37.304" v="13" actId="1076"/>
+      <pc:docMkLst>
+        <pc:docMk/>
+      </pc:docMkLst>
+      <pc:sldChg chg="addSp modSp">
+        <pc:chgData name="Hennig Sebastian" userId="7720b8c6-33d1-4b59-a079-1b70eafbf4dc" providerId="ADAL" clId="{90636A85-6A7C-40B4-8D8D-D9F8D8DD6BE7}" dt="2025-11-01T20:58:37.304" v="13" actId="1076"/>
+        <pc:sldMkLst>
+          <pc:docMk/>
+          <pc:sldMk cId="497607547" sldId="258"/>
+        </pc:sldMkLst>
+        <pc:picChg chg="mod">
+          <ac:chgData name="Hennig Sebastian" userId="7720b8c6-33d1-4b59-a079-1b70eafbf4dc" providerId="ADAL" clId="{90636A85-6A7C-40B4-8D8D-D9F8D8DD6BE7}" dt="2025-11-01T20:58:12.733" v="7" actId="1076"/>
+          <ac:picMkLst>
+            <pc:docMk/>
+            <pc:sldMk cId="497607547" sldId="258"/>
+            <ac:picMk id="1028" creationId="{382F5DBE-EE03-89BA-56C7-92001EA1DE67}"/>
+          </ac:picMkLst>
+        </pc:picChg>
+        <pc:picChg chg="add mod">
+          <ac:chgData name="Hennig Sebastian" userId="7720b8c6-33d1-4b59-a079-1b70eafbf4dc" providerId="ADAL" clId="{90636A85-6A7C-40B4-8D8D-D9F8D8DD6BE7}" dt="2025-11-01T20:58:37.304" v="13" actId="1076"/>
+          <ac:picMkLst>
+            <pc:docMk/>
+            <pc:sldMk cId="497607547" sldId="258"/>
+            <ac:picMk id="2050" creationId="{F7F2BEF4-6983-17B2-9359-ABFB1ADBBB72}"/>
+          </ac:picMkLst>
+        </pc:picChg>
+      </pc:sldChg>
+      <pc:sldChg chg="addSp modSp">
+        <pc:chgData name="Hennig Sebastian" userId="7720b8c6-33d1-4b59-a079-1b70eafbf4dc" providerId="ADAL" clId="{90636A85-6A7C-40B4-8D8D-D9F8D8DD6BE7}" dt="2025-11-01T20:58:03.076" v="2" actId="1076"/>
+        <pc:sldMkLst>
+          <pc:docMk/>
+          <pc:sldMk cId="3100284780" sldId="262"/>
+        </pc:sldMkLst>
+        <pc:picChg chg="add mod">
+          <ac:chgData name="Hennig Sebastian" userId="7720b8c6-33d1-4b59-a079-1b70eafbf4dc" providerId="ADAL" clId="{90636A85-6A7C-40B4-8D8D-D9F8D8DD6BE7}" dt="2025-11-01T20:58:03.076" v="2" actId="1076"/>
+          <ac:picMkLst>
+            <pc:docMk/>
+            <pc:sldMk cId="3100284780" sldId="262"/>
+            <ac:picMk id="1026" creationId="{E557B501-4BF9-8EB7-2FD8-A50374F3FE5A}"/>
+          </ac:picMkLst>
+        </pc:picChg>
+      </pc:sldChg>
+    </pc:docChg>
+  </pc:docChgLst>
+</pc:chgInfo>
 </file>
 
 <file path=ppt/notesMasters/notesMaster1.xml><?xml version="1.0" encoding="utf-8"?>
@@ -4471,6 +4536,53 @@
           </a:p>
         </p:txBody>
       </p:sp>
+      <p:pic>
+        <p:nvPicPr>
+          <p:cNvPr id="1026" name="Picture 2">
+            <a:extLst>
+              <a:ext uri="{FF2B5EF4-FFF2-40B4-BE49-F238E27FC236}">
+                <a16:creationId xmlns:a16="http://schemas.microsoft.com/office/drawing/2014/main" id="{E557B501-4BF9-8EB7-2FD8-A50374F3FE5A}"/>
+              </a:ext>
+            </a:extLst>
+          </p:cNvPr>
+          <p:cNvPicPr>
+            <a:picLocks noChangeAspect="1" noChangeArrowheads="1"/>
+          </p:cNvPicPr>
+          <p:nvPr/>
+        </p:nvPicPr>
+        <p:blipFill>
+          <a:blip r:embed="rId3">
+            <a:extLst>
+              <a:ext uri="{28A0092B-C50C-407E-A947-70E740481C1C}">
+                <a14:useLocalDpi xmlns:a14="http://schemas.microsoft.com/office/drawing/2010/main" val="0"/>
+              </a:ext>
+            </a:extLst>
+          </a:blip>
+          <a:srcRect/>
+          <a:stretch>
+            <a:fillRect/>
+          </a:stretch>
+        </p:blipFill>
+        <p:spPr bwMode="auto">
+          <a:xfrm>
+            <a:off x="9826922" y="4630994"/>
+            <a:ext cx="2074002" cy="2069690"/>
+          </a:xfrm>
+          <a:prstGeom prst="rect">
+            <a:avLst/>
+          </a:prstGeom>
+          <a:noFill/>
+          <a:extLst>
+            <a:ext uri="{909E8E84-426E-40DD-AFC4-6F175D3DCCD1}">
+              <a14:hiddenFill xmlns:a14="http://schemas.microsoft.com/office/drawing/2010/main">
+                <a:solidFill>
+                  <a:srgbClr val="FFFFFF"/>
+                </a:solidFill>
+              </a14:hiddenFill>
+            </a:ext>
+          </a:extLst>
+        </p:spPr>
+      </p:pic>
     </p:spTree>
     <p:extLst>
       <p:ext uri="{BB962C8B-B14F-4D97-AF65-F5344CB8AC3E}">
@@ -4623,6 +4735,53 @@
           </a:p>
         </p:txBody>
       </p:sp>
+      <p:pic>
+        <p:nvPicPr>
+          <p:cNvPr id="2050" name="Picture 2">
+            <a:extLst>
+              <a:ext uri="{FF2B5EF4-FFF2-40B4-BE49-F238E27FC236}">
+                <a16:creationId xmlns:a16="http://schemas.microsoft.com/office/drawing/2014/main" id="{F7F2BEF4-6983-17B2-9359-ABFB1ADBBB72}"/>
+              </a:ext>
+            </a:extLst>
+          </p:cNvPr>
+          <p:cNvPicPr>
+            <a:picLocks noChangeAspect="1" noChangeArrowheads="1"/>
+          </p:cNvPicPr>
+          <p:nvPr/>
+        </p:nvPicPr>
+        <p:blipFill>
+          <a:blip r:embed="rId4">
+            <a:extLst>
+              <a:ext uri="{28A0092B-C50C-407E-A947-70E740481C1C}">
+                <a14:useLocalDpi xmlns:a14="http://schemas.microsoft.com/office/drawing/2010/main" val="0"/>
+              </a:ext>
+            </a:extLst>
+          </a:blip>
+          <a:srcRect/>
+          <a:stretch>
+            <a:fillRect/>
+          </a:stretch>
+        </p:blipFill>
+        <p:spPr bwMode="auto">
+          <a:xfrm>
+            <a:off x="10751123" y="131885"/>
+            <a:ext cx="1015912" cy="1013800"/>
+          </a:xfrm>
+          <a:prstGeom prst="rect">
+            <a:avLst/>
+          </a:prstGeom>
+          <a:noFill/>
+          <a:extLst>
+            <a:ext uri="{909E8E84-426E-40DD-AFC4-6F175D3DCCD1}">
+              <a14:hiddenFill xmlns:a14="http://schemas.microsoft.com/office/drawing/2010/main">
+                <a:solidFill>
+                  <a:srgbClr val="FFFFFF"/>
+                </a:solidFill>
+              </a14:hiddenFill>
+            </a:ext>
+          </a:extLst>
+        </p:spPr>
+      </p:pic>
     </p:spTree>
     <p:extLst>
       <p:ext uri="{BB962C8B-B14F-4D97-AF65-F5344CB8AC3E}">

--- a/documentation/FinalPresentation.pptx
+++ b/documentation/FinalPresentation.pptx
@@ -5,12 +5,13 @@
     <p:sldMasterId id="2147483648" r:id="rId1"/>
   </p:sldMasterIdLst>
   <p:notesMasterIdLst>
-    <p:notesMasterId r:id="rId5"/>
+    <p:notesMasterId r:id="rId6"/>
   </p:notesMasterIdLst>
   <p:sldIdLst>
     <p:sldId id="256" r:id="rId2"/>
     <p:sldId id="262" r:id="rId3"/>
     <p:sldId id="258" r:id="rId4"/>
+    <p:sldId id="263" r:id="rId5"/>
   </p:sldIdLst>
   <p:sldSz cx="12192000" cy="6858000"/>
   <p:notesSz cx="6858000" cy="9144000"/>
@@ -129,17 +130,25 @@
 <pc:chgInfo xmlns:a="http://schemas.openxmlformats.org/drawingml/2006/main" xmlns:r="http://schemas.openxmlformats.org/officeDocument/2006/relationships" xmlns:ac="http://schemas.microsoft.com/office/drawing/2013/main/command" xmlns:pc="http://schemas.microsoft.com/office/powerpoint/2013/main/command">
   <pc:docChgLst>
     <pc:chgData name="Hennig Sebastian" userId="7720b8c6-33d1-4b59-a079-1b70eafbf4dc" providerId="ADAL" clId="{90636A85-6A7C-40B4-8D8D-D9F8D8DD6BE7}"/>
-    <pc:docChg chg="modSld">
-      <pc:chgData name="Hennig Sebastian" userId="7720b8c6-33d1-4b59-a079-1b70eafbf4dc" providerId="ADAL" clId="{90636A85-6A7C-40B4-8D8D-D9F8D8DD6BE7}" dt="2025-11-01T20:58:37.304" v="13" actId="1076"/>
+    <pc:docChg chg="undo custSel addSld modSld">
+      <pc:chgData name="Hennig Sebastian" userId="7720b8c6-33d1-4b59-a079-1b70eafbf4dc" providerId="ADAL" clId="{90636A85-6A7C-40B4-8D8D-D9F8D8DD6BE7}" dt="2025-11-02T10:41:28.878" v="23" actId="1076"/>
       <pc:docMkLst>
         <pc:docMk/>
       </pc:docMkLst>
-      <pc:sldChg chg="addSp modSp">
-        <pc:chgData name="Hennig Sebastian" userId="7720b8c6-33d1-4b59-a079-1b70eafbf4dc" providerId="ADAL" clId="{90636A85-6A7C-40B4-8D8D-D9F8D8DD6BE7}" dt="2025-11-01T20:58:37.304" v="13" actId="1076"/>
+      <pc:sldChg chg="addSp delSp modSp mod">
+        <pc:chgData name="Hennig Sebastian" userId="7720b8c6-33d1-4b59-a079-1b70eafbf4dc" providerId="ADAL" clId="{90636A85-6A7C-40B4-8D8D-D9F8D8DD6BE7}" dt="2025-11-02T10:41:01.421" v="15" actId="22"/>
         <pc:sldMkLst>
           <pc:docMk/>
           <pc:sldMk cId="497607547" sldId="258"/>
         </pc:sldMkLst>
+        <pc:picChg chg="add del">
+          <ac:chgData name="Hennig Sebastian" userId="7720b8c6-33d1-4b59-a079-1b70eafbf4dc" providerId="ADAL" clId="{90636A85-6A7C-40B4-8D8D-D9F8D8DD6BE7}" dt="2025-11-02T10:41:01.421" v="15" actId="22"/>
+          <ac:picMkLst>
+            <pc:docMk/>
+            <pc:sldMk cId="497607547" sldId="258"/>
+            <ac:picMk id="4" creationId="{AB3ABF92-CD59-B06F-055D-3A12D5C2C649}"/>
+          </ac:picMkLst>
+        </pc:picChg>
         <pc:picChg chg="mod">
           <ac:chgData name="Hennig Sebastian" userId="7720b8c6-33d1-4b59-a079-1b70eafbf4dc" providerId="ADAL" clId="{90636A85-6A7C-40B4-8D8D-D9F8D8DD6BE7}" dt="2025-11-01T20:58:12.733" v="7" actId="1076"/>
           <ac:picMkLst>
@@ -172,6 +181,37 @@
           </ac:picMkLst>
         </pc:picChg>
       </pc:sldChg>
+      <pc:sldChg chg="addSp delSp modSp new mod">
+        <pc:chgData name="Hennig Sebastian" userId="7720b8c6-33d1-4b59-a079-1b70eafbf4dc" providerId="ADAL" clId="{90636A85-6A7C-40B4-8D8D-D9F8D8DD6BE7}" dt="2025-11-02T10:41:28.878" v="23" actId="1076"/>
+        <pc:sldMkLst>
+          <pc:docMk/>
+          <pc:sldMk cId="2312003871" sldId="263"/>
+        </pc:sldMkLst>
+        <pc:spChg chg="del">
+          <ac:chgData name="Hennig Sebastian" userId="7720b8c6-33d1-4b59-a079-1b70eafbf4dc" providerId="ADAL" clId="{90636A85-6A7C-40B4-8D8D-D9F8D8DD6BE7}" dt="2025-11-02T10:41:09.922" v="18" actId="478"/>
+          <ac:spMkLst>
+            <pc:docMk/>
+            <pc:sldMk cId="2312003871" sldId="263"/>
+            <ac:spMk id="2" creationId="{44E70D32-8199-8011-12F7-D911C516CE98}"/>
+          </ac:spMkLst>
+        </pc:spChg>
+        <pc:spChg chg="del">
+          <ac:chgData name="Hennig Sebastian" userId="7720b8c6-33d1-4b59-a079-1b70eafbf4dc" providerId="ADAL" clId="{90636A85-6A7C-40B4-8D8D-D9F8D8DD6BE7}" dt="2025-11-02T10:41:13.545" v="19" actId="478"/>
+          <ac:spMkLst>
+            <pc:docMk/>
+            <pc:sldMk cId="2312003871" sldId="263"/>
+            <ac:spMk id="3" creationId="{93933608-2DE0-020C-7C9F-D1004499A7F3}"/>
+          </ac:spMkLst>
+        </pc:spChg>
+        <pc:picChg chg="add mod">
+          <ac:chgData name="Hennig Sebastian" userId="7720b8c6-33d1-4b59-a079-1b70eafbf4dc" providerId="ADAL" clId="{90636A85-6A7C-40B4-8D8D-D9F8D8DD6BE7}" dt="2025-11-02T10:41:28.878" v="23" actId="1076"/>
+          <ac:picMkLst>
+            <pc:docMk/>
+            <pc:sldMk cId="2312003871" sldId="263"/>
+            <ac:picMk id="5" creationId="{04A0FABF-C985-CB17-8DC0-B29FE70B781F}"/>
+          </ac:picMkLst>
+        </pc:picChg>
+      </pc:sldChg>
     </pc:docChg>
   </pc:docChgLst>
 </pc:chgInfo>
@@ -259,7 +299,7 @@
           <a:p>
             <a:fld id="{CB43FCE5-F3FA-497B-A6FE-931594E625D6}" type="datetimeFigureOut">
               <a:rPr lang="de-DE" smtClean="0"/>
-              <a:t>01.11.2025</a:t>
+              <a:t>02.11.2025</a:t>
             </a:fld>
             <a:endParaRPr lang="de-DE"/>
           </a:p>
@@ -758,7 +798,7 @@
           <a:p>
             <a:fld id="{49BEA075-E7F0-40EC-B3B6-C7DB6C5BB377}" type="datetimeFigureOut">
               <a:rPr lang="de-DE" smtClean="0"/>
-              <a:t>01.11.2025</a:t>
+              <a:t>02.11.2025</a:t>
             </a:fld>
             <a:endParaRPr lang="de-DE"/>
           </a:p>
@@ -956,7 +996,7 @@
           <a:p>
             <a:fld id="{49BEA075-E7F0-40EC-B3B6-C7DB6C5BB377}" type="datetimeFigureOut">
               <a:rPr lang="de-DE" smtClean="0"/>
-              <a:t>01.11.2025</a:t>
+              <a:t>02.11.2025</a:t>
             </a:fld>
             <a:endParaRPr lang="de-DE"/>
           </a:p>
@@ -1164,7 +1204,7 @@
           <a:p>
             <a:fld id="{49BEA075-E7F0-40EC-B3B6-C7DB6C5BB377}" type="datetimeFigureOut">
               <a:rPr lang="de-DE" smtClean="0"/>
-              <a:t>01.11.2025</a:t>
+              <a:t>02.11.2025</a:t>
             </a:fld>
             <a:endParaRPr lang="de-DE"/>
           </a:p>
@@ -1362,7 +1402,7 @@
           <a:p>
             <a:fld id="{49BEA075-E7F0-40EC-B3B6-C7DB6C5BB377}" type="datetimeFigureOut">
               <a:rPr lang="de-DE" smtClean="0"/>
-              <a:t>01.11.2025</a:t>
+              <a:t>02.11.2025</a:t>
             </a:fld>
             <a:endParaRPr lang="de-DE"/>
           </a:p>
@@ -1637,7 +1677,7 @@
           <a:p>
             <a:fld id="{49BEA075-E7F0-40EC-B3B6-C7DB6C5BB377}" type="datetimeFigureOut">
               <a:rPr lang="de-DE" smtClean="0"/>
-              <a:t>01.11.2025</a:t>
+              <a:t>02.11.2025</a:t>
             </a:fld>
             <a:endParaRPr lang="de-DE"/>
           </a:p>
@@ -1902,7 +1942,7 @@
           <a:p>
             <a:fld id="{49BEA075-E7F0-40EC-B3B6-C7DB6C5BB377}" type="datetimeFigureOut">
               <a:rPr lang="de-DE" smtClean="0"/>
-              <a:t>01.11.2025</a:t>
+              <a:t>02.11.2025</a:t>
             </a:fld>
             <a:endParaRPr lang="de-DE"/>
           </a:p>
@@ -2314,7 +2354,7 @@
           <a:p>
             <a:fld id="{49BEA075-E7F0-40EC-B3B6-C7DB6C5BB377}" type="datetimeFigureOut">
               <a:rPr lang="de-DE" smtClean="0"/>
-              <a:t>01.11.2025</a:t>
+              <a:t>02.11.2025</a:t>
             </a:fld>
             <a:endParaRPr lang="de-DE"/>
           </a:p>
@@ -2455,7 +2495,7 @@
           <a:p>
             <a:fld id="{49BEA075-E7F0-40EC-B3B6-C7DB6C5BB377}" type="datetimeFigureOut">
               <a:rPr lang="de-DE" smtClean="0"/>
-              <a:t>01.11.2025</a:t>
+              <a:t>02.11.2025</a:t>
             </a:fld>
             <a:endParaRPr lang="de-DE"/>
           </a:p>
@@ -2568,7 +2608,7 @@
           <a:p>
             <a:fld id="{49BEA075-E7F0-40EC-B3B6-C7DB6C5BB377}" type="datetimeFigureOut">
               <a:rPr lang="de-DE" smtClean="0"/>
-              <a:t>01.11.2025</a:t>
+              <a:t>02.11.2025</a:t>
             </a:fld>
             <a:endParaRPr lang="de-DE"/>
           </a:p>
@@ -2879,7 +2919,7 @@
           <a:p>
             <a:fld id="{49BEA075-E7F0-40EC-B3B6-C7DB6C5BB377}" type="datetimeFigureOut">
               <a:rPr lang="de-DE" smtClean="0"/>
-              <a:t>01.11.2025</a:t>
+              <a:t>02.11.2025</a:t>
             </a:fld>
             <a:endParaRPr lang="de-DE"/>
           </a:p>
@@ -3167,7 +3207,7 @@
           <a:p>
             <a:fld id="{49BEA075-E7F0-40EC-B3B6-C7DB6C5BB377}" type="datetimeFigureOut">
               <a:rPr lang="de-DE" smtClean="0"/>
-              <a:t>01.11.2025</a:t>
+              <a:t>02.11.2025</a:t>
             </a:fld>
             <a:endParaRPr lang="de-DE"/>
           </a:p>
@@ -3408,7 +3448,7 @@
           <a:p>
             <a:fld id="{49BEA075-E7F0-40EC-B3B6-C7DB6C5BB377}" type="datetimeFigureOut">
               <a:rPr lang="de-DE" smtClean="0"/>
-              <a:t>01.11.2025</a:t>
+              <a:t>02.11.2025</a:t>
             </a:fld>
             <a:endParaRPr lang="de-DE"/>
           </a:p>
@@ -4786,6 +4826,66 @@
     <p:extLst>
       <p:ext uri="{BB962C8B-B14F-4D97-AF65-F5344CB8AC3E}">
         <p14:creationId xmlns:p14="http://schemas.microsoft.com/office/powerpoint/2010/main" val="497607547"/>
+      </p:ext>
+    </p:extLst>
+  </p:cSld>
+  <p:clrMapOvr>
+    <a:masterClrMapping/>
+  </p:clrMapOvr>
+</p:sld>
+</file>
+
+<file path=ppt/slides/slide4.xml><?xml version="1.0" encoding="utf-8"?>
+<p:sld xmlns:a="http://schemas.openxmlformats.org/drawingml/2006/main" xmlns:r="http://schemas.openxmlformats.org/officeDocument/2006/relationships" xmlns:p="http://schemas.openxmlformats.org/presentationml/2006/main">
+  <p:cSld>
+    <p:spTree>
+      <p:nvGrpSpPr>
+        <p:cNvPr id="1" name=""/>
+        <p:cNvGrpSpPr/>
+        <p:nvPr/>
+      </p:nvGrpSpPr>
+      <p:grpSpPr>
+        <a:xfrm>
+          <a:off x="0" y="0"/>
+          <a:ext cx="0" cy="0"/>
+          <a:chOff x="0" y="0"/>
+          <a:chExt cx="0" cy="0"/>
+        </a:xfrm>
+      </p:grpSpPr>
+      <p:pic>
+        <p:nvPicPr>
+          <p:cNvPr id="5" name="Grafik 4">
+            <a:extLst>
+              <a:ext uri="{FF2B5EF4-FFF2-40B4-BE49-F238E27FC236}">
+                <a16:creationId xmlns:a16="http://schemas.microsoft.com/office/drawing/2014/main" id="{04A0FABF-C985-CB17-8DC0-B29FE70B781F}"/>
+              </a:ext>
+            </a:extLst>
+          </p:cNvPr>
+          <p:cNvPicPr>
+            <a:picLocks noChangeAspect="1"/>
+          </p:cNvPicPr>
+          <p:nvPr/>
+        </p:nvPicPr>
+        <p:blipFill>
+          <a:blip r:embed="rId2"/>
+          <a:stretch>
+            <a:fillRect/>
+          </a:stretch>
+        </p:blipFill>
+        <p:spPr>
+          <a:xfrm>
+            <a:off x="0" y="705465"/>
+            <a:ext cx="12106619" cy="5447070"/>
+          </a:xfrm>
+          <a:prstGeom prst="rect">
+            <a:avLst/>
+          </a:prstGeom>
+        </p:spPr>
+      </p:pic>
+    </p:spTree>
+    <p:extLst>
+      <p:ext uri="{BB962C8B-B14F-4D97-AF65-F5344CB8AC3E}">
+        <p14:creationId xmlns:p14="http://schemas.microsoft.com/office/powerpoint/2010/main" val="2312003871"/>
       </p:ext>
     </p:extLst>
   </p:cSld>
